--- a/EasternRegionalWorkshop/Hyper-V.pptx
+++ b/EasternRegionalWorkshop/Hyper-V.pptx
@@ -8,10 +8,10 @@
     <p:sldId id="256" r:id="rId2"/>
     <p:sldId id="257" r:id="rId3"/>
     <p:sldId id="258" r:id="rId4"/>
-    <p:sldId id="259" r:id="rId5"/>
-    <p:sldId id="261" r:id="rId6"/>
-    <p:sldId id="262" r:id="rId7"/>
-    <p:sldId id="263" r:id="rId8"/>
+    <p:sldId id="261" r:id="rId5"/>
+    <p:sldId id="263" r:id="rId6"/>
+    <p:sldId id="264" r:id="rId7"/>
+    <p:sldId id="265" r:id="rId8"/>
   </p:sldIdLst>
   <p:sldSz cx="9144000" cy="6858000" type="screen4x3"/>
   <p:notesSz cx="6858000" cy="9144000"/>
@@ -3288,19 +3288,19 @@
               <a:buNone/>
             </a:pPr>
             <a:r>
-              <a:rPr lang="en-US"/>
+              <a:rPr lang="en-US" dirty="0"/>
               <a:t>Hyper-V is a </a:t>
             </a:r>
             <a:r>
-              <a:rPr lang="en-US" i="1"/>
+              <a:rPr lang="en-US" i="1" dirty="0"/>
               <a:t>Windows Server Role </a:t>
             </a:r>
             <a:r>
-              <a:rPr lang="en-US"/>
+              <a:rPr lang="en-US" dirty="0"/>
               <a:t>that can be installed on Windows Server 2012 </a:t>
             </a:r>
             <a:r>
-              <a:rPr lang="en-US" smtClean="0"/>
+              <a:rPr lang="en-US" dirty="0" smtClean="0"/>
               <a:t>platforms</a:t>
             </a:r>
           </a:p>
@@ -3308,87 +3308,91 @@
             <a:pPr marL="0" indent="0">
               <a:buNone/>
             </a:pPr>
-            <a:endParaRPr lang="en-US"/>
+            <a:endParaRPr lang="en-US" dirty="0"/>
           </a:p>
           <a:p>
             <a:pPr marL="0" indent="0">
               <a:buNone/>
             </a:pPr>
             <a:r>
-              <a:rPr lang="en-US" b="1" smtClean="0"/>
+              <a:rPr lang="en-US" b="1" dirty="0" smtClean="0"/>
               <a:t>Purpose: </a:t>
             </a:r>
             <a:r>
-              <a:rPr lang="en-US" smtClean="0"/>
-              <a:t>allow any hub or node in NGDS to have complete and immediate server replication (acting as a back-up in emergency) at a partner hub or node </a:t>
-            </a:r>
-            <a:endParaRPr lang="en-US"/>
+              <a:rPr lang="en-US" dirty="0" smtClean="0"/>
+              <a:t>allow any hub or node in NGDS to have </a:t>
+            </a:r>
+            <a:r>
+              <a:rPr lang="en-US" dirty="0" smtClean="0"/>
+              <a:t>a mirror image of a server at another location, updated every 15 minutes</a:t>
+            </a:r>
+            <a:endParaRPr lang="en-US" dirty="0"/>
           </a:p>
           <a:p>
             <a:pPr marL="0" indent="0">
               <a:buNone/>
             </a:pPr>
-            <a:endParaRPr lang="en-US" b="1" smtClean="0"/>
+            <a:endParaRPr lang="en-US" b="1" dirty="0" smtClean="0"/>
           </a:p>
           <a:p>
             <a:pPr marL="0" indent="0">
               <a:buNone/>
             </a:pPr>
             <a:r>
-              <a:rPr lang="en-US" b="1" smtClean="0"/>
+              <a:rPr lang="en-US" b="1" dirty="0" smtClean="0"/>
               <a:t>Prerequisites:</a:t>
             </a:r>
-            <a:endParaRPr lang="en-US" b="1"/>
+            <a:endParaRPr lang="en-US" b="1" dirty="0"/>
           </a:p>
           <a:p>
             <a:pPr marL="0" lvl="0" indent="0">
               <a:buNone/>
             </a:pPr>
             <a:r>
-              <a:rPr lang="en-US"/>
+              <a:rPr lang="en-US" dirty="0"/>
               <a:t>A minimum of two </a:t>
             </a:r>
             <a:r>
-              <a:rPr lang="en-US" b="1"/>
+              <a:rPr lang="en-US" b="1" dirty="0"/>
               <a:t>Windows Server 2012</a:t>
             </a:r>
             <a:r>
-              <a:rPr lang="en-US"/>
+              <a:rPr lang="en-US" dirty="0"/>
               <a:t> Hyper-V host servers</a:t>
             </a:r>
           </a:p>
           <a:p>
             <a:pPr lvl="1"/>
             <a:r>
-              <a:rPr lang="en-US"/>
+              <a:rPr lang="en-US" dirty="0"/>
               <a:t>One host server will act as the </a:t>
             </a:r>
             <a:r>
-              <a:rPr lang="en-US" i="1"/>
+              <a:rPr lang="en-US" i="1" dirty="0"/>
               <a:t>primary </a:t>
             </a:r>
             <a:r>
-              <a:rPr lang="en-US"/>
+              <a:rPr lang="en-US" dirty="0"/>
               <a:t>server, of which copies will be made</a:t>
             </a:r>
           </a:p>
           <a:p>
             <a:pPr lvl="1"/>
             <a:r>
-              <a:rPr lang="en-US"/>
+              <a:rPr lang="en-US" dirty="0"/>
               <a:t>Another host server will act as a </a:t>
             </a:r>
             <a:r>
-              <a:rPr lang="en-US" i="1"/>
+              <a:rPr lang="en-US" i="1" dirty="0"/>
               <a:t>replica</a:t>
             </a:r>
             <a:r>
-              <a:rPr lang="en-US"/>
+              <a:rPr lang="en-US" dirty="0"/>
               <a:t> server used to receive replica copies of virtual machines from the primary host server</a:t>
             </a:r>
           </a:p>
           <a:p>
-            <a:endParaRPr lang="en-US"/>
+            <a:endParaRPr lang="en-US" dirty="0"/>
           </a:p>
         </p:txBody>
       </p:sp>
@@ -3435,7 +3439,7 @@
         <p:spPr>
           <a:xfrm>
             <a:off x="457200" y="0"/>
-            <a:ext cx="8229600" cy="1249362"/>
+            <a:ext cx="8229600" cy="1447800"/>
           </a:xfrm>
         </p:spPr>
         <p:txBody>
@@ -3446,10 +3450,10 @@
           <a:p>
             <a:pPr algn="l"/>
             <a:r>
-              <a:rPr lang="en-US" i="1" smtClean="0"/>
+              <a:rPr lang="en-US" sz="3600" i="1" smtClean="0"/>
               <a:t>Install</a:t>
             </a:r>
-            <a:endParaRPr lang="en-US" i="1"/>
+            <a:endParaRPr lang="en-US" sz="3600" i="1"/>
           </a:p>
         </p:txBody>
       </p:sp>
@@ -3465,49 +3469,36 @@
         </p:nvSpPr>
         <p:spPr>
           <a:xfrm>
-            <a:off x="457201" y="990600"/>
-            <a:ext cx="8229600" cy="4525963"/>
+            <a:off x="457201" y="1066800"/>
+            <a:ext cx="8229600" cy="4449763"/>
           </a:xfrm>
         </p:spPr>
         <p:txBody>
-          <a:bodyPr/>
+          <a:bodyPr>
+            <a:normAutofit/>
+          </a:bodyPr>
           <a:lstStyle/>
           <a:p>
             <a:pPr marL="0" indent="0">
               <a:buNone/>
             </a:pPr>
             <a:r>
-              <a:rPr lang="en-US" smtClean="0"/>
-              <a:t>To install the </a:t>
-            </a:r>
-            <a:r>
-              <a:rPr lang="en-US" b="1" smtClean="0"/>
-              <a:t>Windows 2012 Hyper-V role</a:t>
-            </a:r>
-            <a:r>
-              <a:rPr lang="en-US" smtClean="0"/>
-              <a:t>, open the </a:t>
-            </a:r>
-            <a:r>
-              <a:rPr lang="en-US" b="1" smtClean="0"/>
-              <a:t>Windows Server 2012 Server Manager</a:t>
-            </a:r>
-          </a:p>
-          <a:p>
-            <a:pPr lvl="1"/>
-            <a:r>
-              <a:rPr lang="en-US" b="1" smtClean="0"/>
-              <a:t>Add Roles and Features </a:t>
-            </a:r>
-            <a:r>
-              <a:rPr lang="en-US" smtClean="0"/>
-              <a:t>to a </a:t>
-            </a:r>
-            <a:r>
-              <a:rPr lang="en-US" b="1" smtClean="0"/>
-              <a:t>Local Server</a:t>
-            </a:r>
-            <a:endParaRPr lang="en-US"/>
+              <a:rPr lang="en-US" sz="2800" smtClean="0"/>
+              <a:t>Using </a:t>
+            </a:r>
+            <a:r>
+              <a:rPr lang="en-US" sz="2800" b="1" smtClean="0"/>
+              <a:t>Add </a:t>
+            </a:r>
+            <a:r>
+              <a:rPr lang="en-US" sz="2800" b="1"/>
+              <a:t>Roles and Features </a:t>
+            </a:r>
+            <a:r>
+              <a:rPr lang="en-US" sz="2800" i="1" smtClean="0"/>
+              <a:t>Wizard</a:t>
+            </a:r>
+            <a:endParaRPr lang="en-US" sz="2800"/>
           </a:p>
         </p:txBody>
       </p:sp>
@@ -3519,10 +3510,10 @@
         </p:nvGrpSpPr>
         <p:grpSpPr>
           <a:xfrm>
-            <a:off x="871210" y="2590800"/>
-            <a:ext cx="7418705" cy="4316095"/>
-            <a:chOff x="0" y="154301"/>
-            <a:chExt cx="7418705" cy="4317673"/>
+            <a:off x="871210" y="1926642"/>
+            <a:ext cx="7418705" cy="4773295"/>
+            <a:chOff x="0" y="-303066"/>
+            <a:chExt cx="7418705" cy="4775040"/>
           </a:xfrm>
         </p:grpSpPr>
         <p:pic>
@@ -3548,7 +3539,7 @@
           </p:blipFill>
           <p:spPr bwMode="auto">
             <a:xfrm>
-              <a:off x="257175" y="154301"/>
+              <a:off x="228065" y="-303066"/>
               <a:ext cx="6904356" cy="4142469"/>
             </a:xfrm>
             <a:prstGeom prst="rect">
@@ -3655,22 +3646,14 @@
         <p:spPr/>
         <p:txBody>
           <a:bodyPr>
-            <a:noAutofit/>
+            <a:normAutofit/>
           </a:bodyPr>
           <a:lstStyle/>
           <a:p>
             <a:pPr algn="l"/>
             <a:r>
               <a:rPr lang="en-US" sz="3400" i="1" smtClean="0"/>
-              <a:t>Continue the </a:t>
-            </a:r>
-            <a:r>
-              <a:rPr lang="en-US" sz="3400" b="1" smtClean="0"/>
-              <a:t>Add Roles and Features </a:t>
-            </a:r>
-            <a:r>
-              <a:rPr lang="en-US" sz="3400" i="1" smtClean="0"/>
-              <a:t>Wizard</a:t>
+              <a:t>Enable Replication</a:t>
             </a:r>
             <a:endParaRPr lang="en-US" sz="3400" i="1"/>
           </a:p>
@@ -3688,8 +3671,8 @@
         </p:nvSpPr>
         <p:spPr>
           <a:xfrm>
-            <a:off x="457200" y="1295400"/>
-            <a:ext cx="8229600" cy="4678363"/>
+            <a:off x="457200" y="1143000"/>
+            <a:ext cx="8229600" cy="4983163"/>
           </a:xfrm>
         </p:spPr>
         <p:txBody>
@@ -3703,17 +3686,16 @@
             </a:pPr>
             <a:r>
               <a:rPr lang="en-US" sz="2800" smtClean="0"/>
-              <a:t>The last step in the Wizard is the Confirmation page; click </a:t>
-            </a:r>
-            <a:r>
-              <a:rPr lang="en-US" sz="2800" b="1" smtClean="0"/>
-              <a:t>Install</a:t>
-            </a:r>
-            <a:r>
-              <a:rPr lang="en-US" sz="2800" smtClean="0"/>
-              <a:t> to begin installation process</a:t>
-            </a:r>
-            <a:endParaRPr lang="en-US" sz="2800"/>
+              <a:t>Using the </a:t>
+            </a:r>
+            <a:r>
+              <a:rPr lang="en-US" sz="2800" b="1"/>
+              <a:t>Enable Replication </a:t>
+            </a:r>
+            <a:r>
+              <a:rPr lang="en-US" sz="2800"/>
+              <a:t>Wizard</a:t>
+            </a:r>
           </a:p>
         </p:txBody>
       </p:sp>
@@ -3725,228 +3707,7 @@
         </p:nvGrpSpPr>
         <p:grpSpPr>
           <a:xfrm>
-            <a:off x="1064260" y="2181225"/>
-            <a:ext cx="6736715" cy="4800600"/>
-            <a:chOff x="0" y="0"/>
-            <a:chExt cx="6736715" cy="4800600"/>
-          </a:xfrm>
-        </p:grpSpPr>
-        <p:pic>
-          <p:nvPicPr>
-            <p:cNvPr id="5" name="Picture 4" descr="C:\Users\rpalmer\Pictures\Hyper-V Replication Screenshots\Install Hyper-V 10.JPG"/>
-            <p:cNvPicPr>
-              <a:picLocks noChangeAspect="1"/>
-            </p:cNvPicPr>
-            <p:nvPr/>
-          </p:nvPicPr>
-          <p:blipFill>
-            <a:blip r:embed="rId2">
-              <a:extLst>
-                <a:ext uri="{28A0092B-C50C-407E-A947-70E740481C1C}">
-                  <a14:useLocalDpi xmlns:a14="http://schemas.microsoft.com/office/drawing/2010/main" val="0"/>
-                </a:ext>
-              </a:extLst>
-            </a:blip>
-            <a:srcRect/>
-            <a:stretch>
-              <a:fillRect/>
-            </a:stretch>
-          </p:blipFill>
-          <p:spPr bwMode="auto">
-            <a:xfrm>
-              <a:off x="0" y="0"/>
-              <a:ext cx="6734175" cy="4619625"/>
-            </a:xfrm>
-            <a:prstGeom prst="rect">
-              <a:avLst/>
-            </a:prstGeom>
-            <a:noFill/>
-            <a:ln>
-              <a:noFill/>
-            </a:ln>
-          </p:spPr>
-        </p:pic>
-        <p:sp>
-          <p:nvSpPr>
-            <p:cNvPr id="6" name="Text Box 65"/>
-            <p:cNvSpPr txBox="1"/>
-            <p:nvPr/>
-          </p:nvSpPr>
-          <p:spPr>
-            <a:xfrm>
-              <a:off x="0" y="4638675"/>
-              <a:ext cx="6736715" cy="161925"/>
-            </a:xfrm>
-            <a:prstGeom prst="rect">
-              <a:avLst/>
-            </a:prstGeom>
-            <a:solidFill>
-              <a:prstClr val="white"/>
-            </a:solidFill>
-            <a:ln>
-              <a:noFill/>
-            </a:ln>
-            <a:effectLst/>
-          </p:spPr>
-          <p:txBody>
-            <a:bodyPr rot="0" spcFirstLastPara="0" vert="horz" wrap="square" lIns="0" tIns="0" rIns="0" bIns="0" numCol="1" spcCol="0" rtlCol="0" fromWordArt="0" anchor="t" anchorCtr="0" forceAA="0" compatLnSpc="1">
-              <a:prstTxWarp prst="textNoShape">
-                <a:avLst/>
-              </a:prstTxWarp>
-              <a:noAutofit/>
-            </a:bodyPr>
-            <a:lstStyle/>
-            <a:p>
-              <a:pPr marL="0" marR="0" algn="ctr">
-                <a:spcBef>
-                  <a:spcPts val="0"/>
-                </a:spcBef>
-                <a:spcAft>
-                  <a:spcPts val="1000"/>
-                </a:spcAft>
-              </a:pPr>
-              <a:endParaRPr lang="en-US" sz="900" b="1">
-                <a:solidFill>
-                  <a:srgbClr val="4F81BD"/>
-                </a:solidFill>
-                <a:effectLst/>
-                <a:latin typeface="Calibri"/>
-                <a:ea typeface="Calibri"/>
-                <a:cs typeface="Times New Roman"/>
-              </a:endParaRPr>
-            </a:p>
-          </p:txBody>
-        </p:sp>
-      </p:grpSp>
-    </p:spTree>
-    <p:extLst>
-      <p:ext uri="{BB962C8B-B14F-4D97-AF65-F5344CB8AC3E}">
-        <p14:creationId xmlns:p14="http://schemas.microsoft.com/office/powerpoint/2010/main" val="3073974861"/>
-      </p:ext>
-    </p:extLst>
-  </p:cSld>
-  <p:clrMapOvr>
-    <a:masterClrMapping/>
-  </p:clrMapOvr>
-</p:sld>
-</file>
-
-<file path=ppt/slides/slide5.xml><?xml version="1.0" encoding="utf-8"?>
-<p:sld xmlns:a="http://schemas.openxmlformats.org/drawingml/2006/main" xmlns:r="http://schemas.openxmlformats.org/officeDocument/2006/relationships" xmlns:p="http://schemas.openxmlformats.org/presentationml/2006/main">
-  <p:cSld>
-    <p:spTree>
-      <p:nvGrpSpPr>
-        <p:cNvPr id="1" name=""/>
-        <p:cNvGrpSpPr/>
-        <p:nvPr/>
-      </p:nvGrpSpPr>
-      <p:grpSpPr>
-        <a:xfrm>
-          <a:off x="0" y="0"/>
-          <a:ext cx="0" cy="0"/>
-          <a:chOff x="0" y="0"/>
-          <a:chExt cx="0" cy="0"/>
-        </a:xfrm>
-      </p:grpSpPr>
-      <p:sp>
-        <p:nvSpPr>
-          <p:cNvPr id="2" name="Title 1"/>
-          <p:cNvSpPr>
-            <a:spLocks noGrp="1"/>
-          </p:cNvSpPr>
-          <p:nvPr>
-            <p:ph type="title"/>
-          </p:nvPr>
-        </p:nvSpPr>
-        <p:spPr/>
-        <p:txBody>
-          <a:bodyPr>
-            <a:normAutofit/>
-          </a:bodyPr>
-          <a:lstStyle/>
-          <a:p>
-            <a:pPr algn="l"/>
-            <a:r>
-              <a:rPr lang="en-US" sz="3400" i="1" smtClean="0"/>
-              <a:t>Enable Replication</a:t>
-            </a:r>
-            <a:endParaRPr lang="en-US" sz="3400" i="1"/>
-          </a:p>
-        </p:txBody>
-      </p:sp>
-      <p:sp>
-        <p:nvSpPr>
-          <p:cNvPr id="3" name="Content Placeholder 2"/>
-          <p:cNvSpPr>
-            <a:spLocks noGrp="1"/>
-          </p:cNvSpPr>
-          <p:nvPr>
-            <p:ph idx="1"/>
-          </p:nvPr>
-        </p:nvSpPr>
-        <p:spPr>
-          <a:xfrm>
-            <a:off x="457200" y="1143000"/>
-            <a:ext cx="8229600" cy="4983163"/>
-          </a:xfrm>
-        </p:spPr>
-        <p:txBody>
-          <a:bodyPr>
-            <a:normAutofit/>
-          </a:bodyPr>
-          <a:lstStyle/>
-          <a:p>
-            <a:pPr marL="0" indent="0">
-              <a:buNone/>
-            </a:pPr>
-            <a:r>
-              <a:rPr lang="en-US" sz="2800"/>
-              <a:t>In </a:t>
-            </a:r>
-            <a:r>
-              <a:rPr lang="en-US" sz="2800" b="1"/>
-              <a:t>Hyper-V Manager</a:t>
-            </a:r>
-            <a:r>
-              <a:rPr lang="en-US" sz="2800"/>
-              <a:t>, right-click the virtual machine that you wish to </a:t>
-            </a:r>
-            <a:r>
-              <a:rPr lang="en-US" sz="2800" smtClean="0"/>
-              <a:t>replicate; click </a:t>
-            </a:r>
-            <a:r>
-              <a:rPr lang="en-US" sz="2800" b="1"/>
-              <a:t>Enable </a:t>
-            </a:r>
-            <a:r>
-              <a:rPr lang="en-US" sz="2800" b="1" smtClean="0"/>
-              <a:t>Replication </a:t>
-            </a:r>
-            <a:r>
-              <a:rPr lang="en-US" sz="2800" smtClean="0"/>
-              <a:t> to start the </a:t>
-            </a:r>
-            <a:r>
-              <a:rPr lang="en-US" sz="2800" b="1"/>
-              <a:t>Enable Replication </a:t>
-            </a:r>
-            <a:r>
-              <a:rPr lang="en-US" sz="2800"/>
-              <a:t>Wizard</a:t>
-            </a:r>
-          </a:p>
-        </p:txBody>
-      </p:sp>
-      <p:grpSp>
-        <p:nvGrpSpPr>
-          <p:cNvPr id="4" name="Group 3"/>
-          <p:cNvGrpSpPr/>
-          <p:nvPr/>
-        </p:nvGrpSpPr>
-        <p:grpSpPr>
-          <a:xfrm>
-            <a:off x="1066800" y="2514600"/>
+            <a:off x="1066800" y="1828800"/>
             <a:ext cx="6823075" cy="4448175"/>
             <a:chOff x="0" y="0"/>
             <a:chExt cx="6823075" cy="4448175"/>
@@ -4026,18 +3787,15 @@
                   <a:spcPts val="1000"/>
                 </a:spcAft>
               </a:pPr>
-              <a:r>
-                <a:rPr lang="en-US" sz="900" b="1">
-                  <a:solidFill>
-                    <a:srgbClr val="4F81BD"/>
-                  </a:solidFill>
-                  <a:effectLst/>
-                  <a:latin typeface="Calibri"/>
-                  <a:ea typeface="Calibri"/>
-                  <a:cs typeface="Times New Roman"/>
-                </a:rPr>
-                <a:t>Figure 18: Before You Begin</a:t>
-              </a:r>
+              <a:endParaRPr lang="en-US" sz="900" b="1">
+                <a:solidFill>
+                  <a:srgbClr val="4F81BD"/>
+                </a:solidFill>
+                <a:effectLst/>
+                <a:latin typeface="Calibri"/>
+                <a:ea typeface="Calibri"/>
+                <a:cs typeface="Times New Roman"/>
+              </a:endParaRPr>
             </a:p>
           </p:txBody>
         </p:sp>
@@ -4052,6 +3810,103 @@
   <p:clrMapOvr>
     <a:masterClrMapping/>
   </p:clrMapOvr>
+</p:sld>
+</file>
+
+<file path=ppt/slides/slide5.xml><?xml version="1.0" encoding="utf-8"?>
+<p:sld xmlns:a="http://schemas.openxmlformats.org/drawingml/2006/main" xmlns:r="http://schemas.openxmlformats.org/officeDocument/2006/relationships" xmlns:p="http://schemas.openxmlformats.org/presentationml/2006/main">
+  <p:cSld>
+    <p:spTree>
+      <p:nvGrpSpPr>
+        <p:cNvPr id="1" name=""/>
+        <p:cNvGrpSpPr/>
+        <p:nvPr/>
+      </p:nvGrpSpPr>
+      <p:grpSpPr>
+        <a:xfrm>
+          <a:off x="0" y="0"/>
+          <a:ext cx="0" cy="0"/>
+          <a:chOff x="0" y="0"/>
+          <a:chExt cx="0" cy="0"/>
+        </a:xfrm>
+      </p:grpSpPr>
+      <p:sp>
+        <p:nvSpPr>
+          <p:cNvPr id="3" name="Content Placeholder 2"/>
+          <p:cNvSpPr>
+            <a:spLocks noGrp="1"/>
+          </p:cNvSpPr>
+          <p:nvPr>
+            <p:ph idx="1"/>
+          </p:nvPr>
+        </p:nvSpPr>
+        <p:spPr>
+          <a:xfrm>
+            <a:off x="457200" y="152400"/>
+            <a:ext cx="8229600" cy="5973763"/>
+          </a:xfrm>
+        </p:spPr>
+        <p:txBody>
+          <a:bodyPr>
+            <a:normAutofit/>
+          </a:bodyPr>
+          <a:lstStyle/>
+          <a:p>
+            <a:pPr marL="0" indent="0">
+              <a:buNone/>
+            </a:pPr>
+            <a:endParaRPr lang="en-US" sz="4000" i="1"/>
+          </a:p>
+          <a:p>
+            <a:pPr marL="0" indent="0">
+              <a:buNone/>
+            </a:pPr>
+            <a:r>
+              <a:rPr lang="en-US" sz="4000" i="1" smtClean="0"/>
+              <a:t>With Hyper-V, replicate a server for any hub or node in NDGS and prevent catastrophe!</a:t>
+            </a:r>
+          </a:p>
+          <a:p>
+            <a:pPr marL="0" indent="0">
+              <a:buNone/>
+            </a:pPr>
+            <a:endParaRPr lang="en-US" sz="4000" i="1"/>
+          </a:p>
+          <a:p>
+            <a:pPr marL="0" indent="0">
+              <a:buNone/>
+            </a:pPr>
+            <a:r>
+              <a:rPr lang="en-US" sz="4000" i="1" smtClean="0"/>
+              <a:t>For Hyper-V demo video, visit </a:t>
+            </a:r>
+            <a:r>
+              <a:rPr lang="en-US" sz="3000" u="sng">
+                <a:hlinkClick r:id="rId2"/>
+              </a:rPr>
+              <a:t>http://blogs.technet.com/b/haroldwong/archive/2012/09/05/it-camps-on-demand-windows-server-2012-demo-hyper-v-replica.aspx</a:t>
+            </a:r>
+            <a:endParaRPr lang="en-US" sz="3000" i="1"/>
+          </a:p>
+        </p:txBody>
+      </p:sp>
+    </p:spTree>
+    <p:extLst>
+      <p:ext uri="{BB962C8B-B14F-4D97-AF65-F5344CB8AC3E}">
+        <p14:creationId xmlns:p14="http://schemas.microsoft.com/office/powerpoint/2010/main" val="2734234127"/>
+      </p:ext>
+    </p:extLst>
+  </p:cSld>
+  <p:clrMapOvr>
+    <a:masterClrMapping/>
+  </p:clrMapOvr>
+  <p:timing>
+    <p:tnLst>
+      <p:par>
+        <p:cTn id="1" dur="indefinite" restart="never" nodeType="tmRoot"/>
+      </p:par>
+    </p:tnLst>
+  </p:timing>
 </p:sld>
 </file>
 
@@ -4084,134 +3939,64 @@
         </p:nvSpPr>
         <p:spPr/>
         <p:txBody>
-          <a:bodyPr>
-            <a:normAutofit/>
-          </a:bodyPr>
-          <a:lstStyle/>
-          <a:p>
-            <a:pPr algn="l"/>
-            <a:r>
-              <a:rPr lang="en-US" sz="3400" i="1" smtClean="0"/>
-              <a:t>Enter host name and connection parameters of server to replicate</a:t>
-            </a:r>
-            <a:endParaRPr lang="en-US" sz="3400" i="1"/>
-          </a:p>
-        </p:txBody>
-      </p:sp>
-      <p:grpSp>
-        <p:nvGrpSpPr>
-          <p:cNvPr id="4" name="Group 3"/>
-          <p:cNvGrpSpPr/>
+          <a:bodyPr/>
+          <a:lstStyle/>
+          <a:p>
+            <a:r>
+              <a:rPr lang="en-US" i="1" smtClean="0"/>
+              <a:t>Primary Server during Replication</a:t>
+            </a:r>
+            <a:endParaRPr lang="en-US" i="1"/>
+          </a:p>
+        </p:txBody>
+      </p:sp>
+      <p:pic>
+        <p:nvPicPr>
+          <p:cNvPr id="3" name="Picture 2"/>
+          <p:cNvPicPr>
+            <a:picLocks noChangeAspect="1"/>
+          </p:cNvPicPr>
           <p:nvPr/>
-        </p:nvGrpSpPr>
-        <p:grpSpPr>
+        </p:nvPicPr>
+        <p:blipFill>
+          <a:blip r:embed="rId2">
+            <a:extLst>
+              <a:ext uri="{28A0092B-C50C-407E-A947-70E740481C1C}">
+                <a14:useLocalDpi xmlns:a14="http://schemas.microsoft.com/office/drawing/2010/main" val="0"/>
+              </a:ext>
+            </a:extLst>
+          </a:blip>
+          <a:stretch>
+            <a:fillRect/>
+          </a:stretch>
+        </p:blipFill>
+        <p:spPr>
           <a:xfrm>
-            <a:off x="1191221" y="1535022"/>
-            <a:ext cx="6772275" cy="5305425"/>
-            <a:chOff x="0" y="0"/>
-            <a:chExt cx="6772275" cy="5305425"/>
+            <a:off x="0" y="1600200"/>
+            <a:ext cx="9144000" cy="4124896"/>
           </a:xfrm>
-        </p:grpSpPr>
-        <p:pic>
-          <p:nvPicPr>
-            <p:cNvPr id="5" name="Picture 4" descr="C:\Users\rpalmer\Pictures\Hyper-V Replication Screenshots\Enable Replication VM 2.JPG"/>
-            <p:cNvPicPr>
-              <a:picLocks noChangeAspect="1"/>
-            </p:cNvPicPr>
-            <p:nvPr/>
-          </p:nvPicPr>
-          <p:blipFill>
-            <a:blip r:embed="rId2">
-              <a:extLst>
-                <a:ext uri="{28A0092B-C50C-407E-A947-70E740481C1C}">
-                  <a14:useLocalDpi xmlns:a14="http://schemas.microsoft.com/office/drawing/2010/main" val="0"/>
-                </a:ext>
-              </a:extLst>
-            </a:blip>
-            <a:srcRect/>
-            <a:stretch>
-              <a:fillRect/>
-            </a:stretch>
-          </p:blipFill>
-          <p:spPr bwMode="auto">
-            <a:xfrm>
-              <a:off x="0" y="0"/>
-              <a:ext cx="6772275" cy="5143500"/>
-            </a:xfrm>
-            <a:prstGeom prst="rect">
-              <a:avLst/>
-            </a:prstGeom>
-            <a:noFill/>
-            <a:ln>
-              <a:noFill/>
-            </a:ln>
-          </p:spPr>
-        </p:pic>
-        <p:sp>
-          <p:nvSpPr>
-            <p:cNvPr id="6" name="Text Box 83"/>
-            <p:cNvSpPr txBox="1"/>
-            <p:nvPr/>
-          </p:nvSpPr>
-          <p:spPr>
-            <a:xfrm>
-              <a:off x="0" y="5143500"/>
-              <a:ext cx="6771640" cy="161925"/>
-            </a:xfrm>
-            <a:prstGeom prst="rect">
-              <a:avLst/>
-            </a:prstGeom>
-            <a:solidFill>
-              <a:prstClr val="white"/>
-            </a:solidFill>
-            <a:ln>
-              <a:noFill/>
-            </a:ln>
-            <a:effectLst/>
-          </p:spPr>
-          <p:txBody>
-            <a:bodyPr rot="0" spcFirstLastPara="0" vert="horz" wrap="square" lIns="0" tIns="0" rIns="0" bIns="0" numCol="1" spcCol="0" rtlCol="0" fromWordArt="0" anchor="t" anchorCtr="0" forceAA="0" compatLnSpc="1">
-              <a:prstTxWarp prst="textNoShape">
-                <a:avLst/>
-              </a:prstTxWarp>
-              <a:noAutofit/>
-            </a:bodyPr>
-            <a:lstStyle/>
-            <a:p>
-              <a:pPr marL="0" marR="0" algn="ctr">
-                <a:spcBef>
-                  <a:spcPts val="0"/>
-                </a:spcBef>
-                <a:spcAft>
-                  <a:spcPts val="1000"/>
-                </a:spcAft>
-              </a:pPr>
-              <a:r>
-                <a:rPr lang="en-US" sz="900" b="1">
-                  <a:solidFill>
-                    <a:srgbClr val="4F81BD"/>
-                  </a:solidFill>
-                  <a:effectLst/>
-                  <a:latin typeface="Calibri"/>
-                  <a:ea typeface="Calibri"/>
-                  <a:cs typeface="Times New Roman"/>
-                </a:rPr>
-                <a:t>Figure 19: Specify Replica Server</a:t>
-              </a:r>
-            </a:p>
-          </p:txBody>
-        </p:sp>
-      </p:grpSp>
+          <a:prstGeom prst="rect">
+            <a:avLst/>
+          </a:prstGeom>
+        </p:spPr>
+      </p:pic>
     </p:spTree>
     <p:extLst>
       <p:ext uri="{BB962C8B-B14F-4D97-AF65-F5344CB8AC3E}">
-        <p14:creationId xmlns:p14="http://schemas.microsoft.com/office/powerpoint/2010/main" val="3591368715"/>
+        <p14:creationId xmlns:p14="http://schemas.microsoft.com/office/powerpoint/2010/main" val="4101601152"/>
       </p:ext>
     </p:extLst>
   </p:cSld>
   <p:clrMapOvr>
     <a:masterClrMapping/>
   </p:clrMapOvr>
+  <p:timing>
+    <p:tnLst>
+      <p:par>
+        <p:cTn id="1" dur="indefinite" restart="never" nodeType="tmRoot"/>
+      </p:par>
+    </p:tnLst>
+  </p:timing>
 </p:sld>
 </file>
 
@@ -4234,87 +4019,73 @@
       </p:grpSpPr>
       <p:sp>
         <p:nvSpPr>
-          <p:cNvPr id="3" name="Content Placeholder 2"/>
-          <p:cNvSpPr>
-            <a:spLocks noGrp="1"/>
-          </p:cNvSpPr>
+          <p:cNvPr id="2" name="Title 1"/>
+          <p:cNvSpPr>
+            <a:spLocks noGrp="1"/>
+          </p:cNvSpPr>
+          <p:nvPr>
+            <p:ph type="title"/>
+          </p:nvPr>
+        </p:nvSpPr>
+        <p:spPr/>
+        <p:txBody>
+          <a:bodyPr/>
+          <a:lstStyle/>
+          <a:p>
+            <a:r>
+              <a:rPr lang="en-US" i="1" smtClean="0"/>
+              <a:t>Replica Server during Replication</a:t>
+            </a:r>
+            <a:endParaRPr lang="en-US" i="1"/>
+          </a:p>
+        </p:txBody>
+      </p:sp>
+      <p:pic>
+        <p:nvPicPr>
+          <p:cNvPr id="4" name="Content Placeholder 3"/>
+          <p:cNvPicPr>
+            <a:picLocks noGrp="1" noChangeAspect="1"/>
+          </p:cNvPicPr>
           <p:nvPr>
             <p:ph idx="1"/>
           </p:nvPr>
-        </p:nvSpPr>
+        </p:nvPicPr>
+        <p:blipFill>
+          <a:blip r:embed="rId2">
+            <a:extLst>
+              <a:ext uri="{28A0092B-C50C-407E-A947-70E740481C1C}">
+                <a14:useLocalDpi xmlns:a14="http://schemas.microsoft.com/office/drawing/2010/main" val="0"/>
+              </a:ext>
+            </a:extLst>
+          </a:blip>
+          <a:stretch>
+            <a:fillRect/>
+          </a:stretch>
+        </p:blipFill>
         <p:spPr>
           <a:xfrm>
-            <a:off x="457200" y="152400"/>
-            <a:ext cx="8229600" cy="5973763"/>
+            <a:off x="0" y="1752600"/>
+            <a:ext cx="9144000" cy="3859869"/>
           </a:xfrm>
         </p:spPr>
-        <p:txBody>
-          <a:bodyPr>
-            <a:normAutofit fontScale="92500" lnSpcReduction="10000"/>
-          </a:bodyPr>
-          <a:lstStyle/>
-          <a:p>
-            <a:pPr marL="0" indent="0">
-              <a:buNone/>
-            </a:pPr>
-            <a:r>
-              <a:rPr lang="en-US" sz="4000" i="1" smtClean="0"/>
-              <a:t>Continue the wizard, following the documentation for guidance. </a:t>
-            </a:r>
-          </a:p>
-          <a:p>
-            <a:pPr marL="0" indent="0">
-              <a:buNone/>
-            </a:pPr>
-            <a:endParaRPr lang="en-US" sz="4000" i="1"/>
-          </a:p>
-          <a:p>
-            <a:pPr marL="0" indent="0">
-              <a:buNone/>
-            </a:pPr>
-            <a:r>
-              <a:rPr lang="en-US" sz="4000" i="1" smtClean="0"/>
-              <a:t>You are now ready to replicate a server for any hub or node in NDGS and prevent catastrophe</a:t>
-            </a:r>
-            <a:r>
-              <a:rPr lang="en-US" sz="4000" i="1" smtClean="0"/>
-              <a:t>!</a:t>
-            </a:r>
-          </a:p>
-          <a:p>
-            <a:pPr marL="0" indent="0">
-              <a:buNone/>
-            </a:pPr>
-            <a:endParaRPr lang="en-US" sz="4000" i="1"/>
-          </a:p>
-          <a:p>
-            <a:pPr marL="0" indent="0">
-              <a:buNone/>
-            </a:pPr>
-            <a:r>
-              <a:rPr lang="en-US" sz="4000" i="1" smtClean="0"/>
-              <a:t>For Hyper-V demo video, visit </a:t>
-            </a:r>
-            <a:r>
-              <a:rPr lang="en-US" sz="3000" u="sng">
-                <a:hlinkClick r:id="rId2"/>
-              </a:rPr>
-              <a:t>http://blogs.technet.com/b/haroldwong/archive/2012/09/05/it-camps-on-demand-windows-server-2012-demo-hyper-v-replica.aspx</a:t>
-            </a:r>
-            <a:endParaRPr lang="en-US" sz="3000" i="1"/>
-          </a:p>
-        </p:txBody>
-      </p:sp>
+      </p:pic>
     </p:spTree>
     <p:extLst>
       <p:ext uri="{BB962C8B-B14F-4D97-AF65-F5344CB8AC3E}">
-        <p14:creationId xmlns:p14="http://schemas.microsoft.com/office/powerpoint/2010/main" val="2734234127"/>
+        <p14:creationId xmlns:p14="http://schemas.microsoft.com/office/powerpoint/2010/main" val="77359063"/>
       </p:ext>
     </p:extLst>
   </p:cSld>
   <p:clrMapOvr>
     <a:masterClrMapping/>
   </p:clrMapOvr>
+  <p:timing>
+    <p:tnLst>
+      <p:par>
+        <p:cTn id="1" dur="indefinite" restart="never" nodeType="tmRoot"/>
+      </p:par>
+    </p:tnLst>
+  </p:timing>
 </p:sld>
 </file>
 
